--- a/Analyzing H1b visa data using Hadoop Ecosystem.pptx
+++ b/Analyzing H1b visa data using Hadoop Ecosystem.pptx
@@ -31,8 +31,6 @@
     <p:sldId id="280" r:id="rId25"/>
     <p:sldId id="281" r:id="rId26"/>
     <p:sldId id="276" r:id="rId27"/>
-    <p:sldId id="279" r:id="rId28"/>
-    <p:sldId id="278" r:id="rId29"/>
   </p:sldIdLst>
   <p:sldSz cx="9144000" cy="6858000" type="screen4x3"/>
   <p:notesSz cx="6858000" cy="9144000"/>
@@ -165,6 +163,7 @@
   </mc:AlternateContent>
   <c:chart>
     <c:title>
+      <c:layout/>
       <c:overlay val="0"/>
       <c:spPr>
         <a:noFill/>
@@ -273,6 +272,7 @@
             <c:showLeaderLines val="0"/>
             <c:extLst>
               <c:ext xmlns:c15="http://schemas.microsoft.com/office/drawing/2012/chart" uri="{CE6537A1-D6FC-4f65-9D91-7224C49458BB}">
+                <c15:layout/>
                 <c15:showLeaderLines val="1"/>
                 <c15:leaderLines>
                   <c:spPr>
@@ -350,11 +350,11 @@
         </c:dLbls>
         <c:marker val="1"/>
         <c:smooth val="0"/>
-        <c:axId val="-823841520"/>
-        <c:axId val="-823834992"/>
+        <c:axId val="-2031115472"/>
+        <c:axId val="-2031118192"/>
       </c:lineChart>
       <c:catAx>
-        <c:axId val="-823841520"/>
+        <c:axId val="-2031115472"/>
         <c:scaling>
           <c:orientation val="minMax"/>
         </c:scaling>
@@ -397,7 +397,7 @@
             <a:endParaRPr lang="en-US"/>
           </a:p>
         </c:txPr>
-        <c:crossAx val="-823834992"/>
+        <c:crossAx val="-2031118192"/>
         <c:crosses val="autoZero"/>
         <c:auto val="1"/>
         <c:lblAlgn val="ctr"/>
@@ -405,7 +405,7 @@
         <c:noMultiLvlLbl val="0"/>
       </c:catAx>
       <c:valAx>
-        <c:axId val="-823834992"/>
+        <c:axId val="-2031118192"/>
         <c:scaling>
           <c:orientation val="minMax"/>
         </c:scaling>
@@ -441,7 +441,7 @@
         <c:majorTickMark val="none"/>
         <c:minorTickMark val="none"/>
         <c:tickLblPos val="nextTo"/>
-        <c:crossAx val="-823841520"/>
+        <c:crossAx val="-2031115472"/>
         <c:crosses val="autoZero"/>
         <c:crossBetween val="between"/>
       </c:valAx>
@@ -455,6 +455,7 @@
     </c:plotArea>
     <c:legend>
       <c:legendPos val="b"/>
+      <c:layout/>
       <c:overlay val="0"/>
       <c:spPr>
         <a:solidFill>
@@ -1329,7 +1330,7 @@
           <a:p>
             <a:fld id="{8ADA47AD-0A12-45BD-BCC1-86FAF4064E5C}" type="datetimeFigureOut">
               <a:rPr lang="en-US" smtClean="0"/>
-              <a:t>5/3/2017</a:t>
+              <a:t>5/4/2017</a:t>
             </a:fld>
             <a:endParaRPr lang="en-US"/>
           </a:p>
@@ -1494,7 +1495,7 @@
           <a:p>
             <a:fld id="{8ADA47AD-0A12-45BD-BCC1-86FAF4064E5C}" type="datetimeFigureOut">
               <a:rPr lang="en-US" smtClean="0"/>
-              <a:t>5/3/2017</a:t>
+              <a:t>5/4/2017</a:t>
             </a:fld>
             <a:endParaRPr lang="en-US"/>
           </a:p>
@@ -1669,7 +1670,7 @@
           <a:p>
             <a:fld id="{8ADA47AD-0A12-45BD-BCC1-86FAF4064E5C}" type="datetimeFigureOut">
               <a:rPr lang="en-US" smtClean="0"/>
-              <a:t>5/3/2017</a:t>
+              <a:t>5/4/2017</a:t>
             </a:fld>
             <a:endParaRPr lang="en-US"/>
           </a:p>
@@ -1834,7 +1835,7 @@
           <a:p>
             <a:fld id="{8ADA47AD-0A12-45BD-BCC1-86FAF4064E5C}" type="datetimeFigureOut">
               <a:rPr lang="en-US" smtClean="0"/>
-              <a:t>5/3/2017</a:t>
+              <a:t>5/4/2017</a:t>
             </a:fld>
             <a:endParaRPr lang="en-US"/>
           </a:p>
@@ -2075,7 +2076,7 @@
           <a:p>
             <a:fld id="{8ADA47AD-0A12-45BD-BCC1-86FAF4064E5C}" type="datetimeFigureOut">
               <a:rPr lang="en-US" smtClean="0"/>
-              <a:t>5/3/2017</a:t>
+              <a:t>5/4/2017</a:t>
             </a:fld>
             <a:endParaRPr lang="en-US"/>
           </a:p>
@@ -2358,7 +2359,7 @@
           <a:p>
             <a:fld id="{8ADA47AD-0A12-45BD-BCC1-86FAF4064E5C}" type="datetimeFigureOut">
               <a:rPr lang="en-US" smtClean="0"/>
-              <a:t>5/3/2017</a:t>
+              <a:t>5/4/2017</a:t>
             </a:fld>
             <a:endParaRPr lang="en-US"/>
           </a:p>
@@ -2775,7 +2776,7 @@
           <a:p>
             <a:fld id="{8ADA47AD-0A12-45BD-BCC1-86FAF4064E5C}" type="datetimeFigureOut">
               <a:rPr lang="en-US" smtClean="0"/>
-              <a:t>5/3/2017</a:t>
+              <a:t>5/4/2017</a:t>
             </a:fld>
             <a:endParaRPr lang="en-US"/>
           </a:p>
@@ -2888,7 +2889,7 @@
           <a:p>
             <a:fld id="{8ADA47AD-0A12-45BD-BCC1-86FAF4064E5C}" type="datetimeFigureOut">
               <a:rPr lang="en-US" smtClean="0"/>
-              <a:t>5/3/2017</a:t>
+              <a:t>5/4/2017</a:t>
             </a:fld>
             <a:endParaRPr lang="en-US"/>
           </a:p>
@@ -2978,7 +2979,7 @@
           <a:p>
             <a:fld id="{8ADA47AD-0A12-45BD-BCC1-86FAF4064E5C}" type="datetimeFigureOut">
               <a:rPr lang="en-US" smtClean="0"/>
-              <a:t>5/3/2017</a:t>
+              <a:t>5/4/2017</a:t>
             </a:fld>
             <a:endParaRPr lang="en-US"/>
           </a:p>
@@ -3250,7 +3251,7 @@
           <a:p>
             <a:fld id="{8ADA47AD-0A12-45BD-BCC1-86FAF4064E5C}" type="datetimeFigureOut">
               <a:rPr lang="en-US" smtClean="0"/>
-              <a:t>5/3/2017</a:t>
+              <a:t>5/4/2017</a:t>
             </a:fld>
             <a:endParaRPr lang="en-US"/>
           </a:p>
@@ -3498,7 +3499,7 @@
           <a:p>
             <a:fld id="{8ADA47AD-0A12-45BD-BCC1-86FAF4064E5C}" type="datetimeFigureOut">
               <a:rPr lang="en-US" smtClean="0"/>
-              <a:t>5/3/2017</a:t>
+              <a:t>5/4/2017</a:t>
             </a:fld>
             <a:endParaRPr lang="en-US"/>
           </a:p>
@@ -3706,7 +3707,7 @@
           <a:p>
             <a:fld id="{8ADA47AD-0A12-45BD-BCC1-86FAF4064E5C}" type="datetimeFigureOut">
               <a:rPr lang="en-US" smtClean="0"/>
-              <a:t>5/3/2017</a:t>
+              <a:t>5/4/2017</a:t>
             </a:fld>
             <a:endParaRPr lang="en-US"/>
           </a:p>
@@ -4376,15 +4377,7 @@
           <a:p>
             <a:r>
               <a:rPr lang="en-US" dirty="0"/>
-              <a:t>The </a:t>
-            </a:r>
-            <a:r>
-              <a:rPr lang="en-US" dirty="0" err="1"/>
-              <a:t>Hadoop</a:t>
-            </a:r>
-            <a:r>
-              <a:rPr lang="en-US" dirty="0"/>
-              <a:t> Distributed File System (HDFS) is a distributed file system designed to run on commodity hardware</a:t>
+              <a:t>The Hadoop Distributed File System (HDFS) is a distributed file system designed to run on commodity hardware</a:t>
             </a:r>
             <a:r>
               <a:rPr lang="en-US" dirty="0" smtClean="0"/>
@@ -5065,7 +5058,11 @@
             </a:r>
             <a:r>
               <a:rPr lang="en-IN" sz="1900" dirty="0"/>
-              <a:t>SYSTEMS ANALYST JC60</a:t>
+              <a:t>SYSTEMS ANALYST </a:t>
+            </a:r>
+            <a:r>
+              <a:rPr lang="en-IN" sz="1900" dirty="0" smtClean="0"/>
+              <a:t>JC60</a:t>
             </a:r>
             <a:r>
               <a:rPr lang="en-IN" sz="1900" dirty="0" smtClean="0"/>
@@ -7526,7 +7523,9 @@
           </a:xfrm>
         </p:spPr>
         <p:txBody>
-          <a:bodyPr/>
+          <a:bodyPr>
+            <a:normAutofit fontScale="77500" lnSpcReduction="20000"/>
+          </a:bodyPr>
           <a:lstStyle/>
           <a:p>
             <a:pPr marL="0" indent="0">
@@ -7569,8 +7568,126 @@
             </a:pPr>
             <a:r>
               <a:rPr lang="en-US" sz="2400" b="1" dirty="0" smtClean="0"/>
-              <a:t>Sample output:</a:t>
-            </a:r>
+              <a:t>Sample output</a:t>
+            </a:r>
+            <a:r>
+              <a:rPr lang="en-US" sz="2400" b="1" dirty="0" smtClean="0"/>
+              <a:t>:</a:t>
+            </a:r>
+          </a:p>
+          <a:p>
+            <a:pPr marL="0" indent="0">
+              <a:buNone/>
+            </a:pPr>
+            <a:r>
+              <a:rPr lang="en-IN" sz="2600" dirty="0"/>
+              <a:t>2011	PROGRAMMER ANALYST	31799	1</a:t>
+            </a:r>
+          </a:p>
+          <a:p>
+            <a:pPr marL="0" indent="0">
+              <a:buNone/>
+            </a:pPr>
+            <a:r>
+              <a:rPr lang="en-IN" sz="2600" dirty="0"/>
+              <a:t>2011	SOFTWARE ENGINEER	12763	2</a:t>
+            </a:r>
+          </a:p>
+          <a:p>
+            <a:pPr marL="0" indent="0">
+              <a:buNone/>
+            </a:pPr>
+            <a:r>
+              <a:rPr lang="en-IN" sz="2600" dirty="0"/>
+              <a:t>2012	PROGRAMMER ANALYST	33066	1</a:t>
+            </a:r>
+          </a:p>
+          <a:p>
+            <a:pPr marL="0" indent="0">
+              <a:buNone/>
+            </a:pPr>
+            <a:r>
+              <a:rPr lang="en-IN" sz="2600" dirty="0"/>
+              <a:t>2012	SOFTWARE ENGINEER	14437	2</a:t>
+            </a:r>
+          </a:p>
+          <a:p>
+            <a:pPr marL="0" indent="0">
+              <a:buNone/>
+            </a:pPr>
+            <a:r>
+              <a:rPr lang="en-IN" sz="2600" dirty="0"/>
+              <a:t>2013	PROGRAMMER ANALYST	33880	1</a:t>
+            </a:r>
+          </a:p>
+          <a:p>
+            <a:pPr marL="0" indent="0">
+              <a:buNone/>
+            </a:pPr>
+            <a:r>
+              <a:rPr lang="en-IN" sz="2600" dirty="0"/>
+              <a:t>2013	SOFTWARE ENGINEER	15680	2</a:t>
+            </a:r>
+          </a:p>
+          <a:p>
+            <a:pPr marL="0" indent="0">
+              <a:buNone/>
+            </a:pPr>
+            <a:r>
+              <a:rPr lang="en-IN" sz="2600" dirty="0"/>
+              <a:t>2014	PROGRAMMER ANALYST	43114	1</a:t>
+            </a:r>
+          </a:p>
+          <a:p>
+            <a:pPr marL="0" indent="0">
+              <a:buNone/>
+            </a:pPr>
+            <a:r>
+              <a:rPr lang="en-IN" sz="2600" dirty="0"/>
+              <a:t>2014	SOFTWARE ENGINEER	20500	2</a:t>
+            </a:r>
+          </a:p>
+          <a:p>
+            <a:pPr marL="0" indent="0">
+              <a:buNone/>
+            </a:pPr>
+            <a:r>
+              <a:rPr lang="en-IN" sz="2600" dirty="0"/>
+              <a:t>2015	PROGRAMMER ANALYST	53436	1</a:t>
+            </a:r>
+          </a:p>
+          <a:p>
+            <a:pPr marL="0" indent="0">
+              <a:buNone/>
+            </a:pPr>
+            <a:r>
+              <a:rPr lang="en-IN" sz="2600" dirty="0"/>
+              <a:t>2015	SOFTWARE ENGINEER	27259	2</a:t>
+            </a:r>
+          </a:p>
+          <a:p>
+            <a:pPr marL="0" indent="0">
+              <a:buNone/>
+            </a:pPr>
+            <a:r>
+              <a:rPr lang="en-IN" sz="2600" dirty="0"/>
+              <a:t>2016	PROGRAMMER ANALYST	53743	1</a:t>
+            </a:r>
+          </a:p>
+          <a:p>
+            <a:pPr marL="0" indent="0">
+              <a:buNone/>
+            </a:pPr>
+            <a:r>
+              <a:rPr lang="en-IN" sz="2600" dirty="0"/>
+              <a:t>2016	SOFTWARE ENGINEER	30668	2</a:t>
+            </a:r>
+          </a:p>
+          <a:p>
+            <a:pPr marL="0" indent="0">
+              <a:buNone/>
+            </a:pPr>
+            <a:endParaRPr lang="en-US" sz="2400" b="1" dirty="0" smtClean="0"/>
           </a:p>
           <a:p>
             <a:pPr marL="0" indent="0">
@@ -7698,36 +7815,6 @@
           </a:p>
         </p:txBody>
       </p:sp>
-      <p:pic>
-        <p:nvPicPr>
-          <p:cNvPr id="5" name="Picture 4"/>
-          <p:cNvPicPr/>
-          <p:nvPr/>
-        </p:nvPicPr>
-        <p:blipFill>
-          <a:blip r:embed="rId2" cstate="print"/>
-          <a:srcRect/>
-          <a:stretch>
-            <a:fillRect/>
-          </a:stretch>
-        </p:blipFill>
-        <p:spPr bwMode="auto">
-          <a:xfrm>
-            <a:off x="2587943" y="2590800"/>
-            <a:ext cx="6022657" cy="4114800"/>
-          </a:xfrm>
-          <a:prstGeom prst="rect">
-            <a:avLst/>
-          </a:prstGeom>
-          <a:noFill/>
-          <a:ln w="9525">
-            <a:noFill/>
-            <a:miter lim="800000"/>
-            <a:headEnd/>
-            <a:tailEnd/>
-          </a:ln>
-        </p:spPr>
-      </p:pic>
     </p:spTree>
     <p:extLst>
       <p:ext uri="{BB962C8B-B14F-4D97-AF65-F5344CB8AC3E}">
@@ -7913,7 +8000,7 @@
         </p:spPr>
         <p:txBody>
           <a:bodyPr>
-            <a:normAutofit lnSpcReduction="10000"/>
+            <a:normAutofit/>
           </a:bodyPr>
           <a:lstStyle/>
           <a:p>
@@ -7969,7 +8056,7 @@
               <a:buNone/>
             </a:pPr>
             <a:r>
-              <a:rPr lang="en-IN" sz="2200" dirty="0"/>
+              <a:rPr lang="en-IN" sz="1400" dirty="0"/>
               <a:t>(2011,358767,307936,85.83175152675692)</a:t>
             </a:r>
           </a:p>
@@ -7978,7 +8065,7 @@
               <a:buNone/>
             </a:pPr>
             <a:r>
-              <a:rPr lang="en-IN" sz="2200" dirty="0"/>
+              <a:rPr lang="en-IN" sz="1400" dirty="0"/>
               <a:t>(2012,415607,352668,84.85612609989725)</a:t>
             </a:r>
           </a:p>
@@ -7987,7 +8074,7 @@
               <a:buNone/>
             </a:pPr>
             <a:r>
-              <a:rPr lang="en-IN" sz="2200" dirty="0"/>
+              <a:rPr lang="en-IN" sz="1400" dirty="0"/>
               <a:t>(2013,442114,382951,86.61815730784367)</a:t>
             </a:r>
           </a:p>
@@ -7996,7 +8083,7 @@
               <a:buNone/>
             </a:pPr>
             <a:r>
-              <a:rPr lang="en-IN" sz="2200" dirty="0"/>
+              <a:rPr lang="en-IN" sz="1400" dirty="0"/>
               <a:t>(2014,519427,455144,87.62424748809747)</a:t>
             </a:r>
           </a:p>
@@ -8005,7 +8092,7 @@
               <a:buNone/>
             </a:pPr>
             <a:r>
-              <a:rPr lang="en-IN" sz="2200" dirty="0"/>
+              <a:rPr lang="en-IN" sz="1400" dirty="0"/>
               <a:t>(2015,618727,547278,88.45225761927313)</a:t>
             </a:r>
           </a:p>
@@ -8014,7 +8101,7 @@
               <a:buNone/>
             </a:pPr>
             <a:r>
-              <a:rPr lang="en-IN" sz="2200" dirty="0"/>
+              <a:rPr lang="en-IN" sz="1400" dirty="0"/>
               <a:t>(2016,647803,569646,87.93506667922192)</a:t>
             </a:r>
           </a:p>
@@ -8134,6 +8221,36 @@
           </a:p>
         </p:txBody>
       </p:sp>
+      <p:pic>
+        <p:nvPicPr>
+          <p:cNvPr id="6" name="Picture 5"/>
+          <p:cNvPicPr/>
+          <p:nvPr/>
+        </p:nvPicPr>
+        <p:blipFill>
+          <a:blip r:embed="rId2" cstate="print"/>
+          <a:srcRect/>
+          <a:stretch>
+            <a:fillRect/>
+          </a:stretch>
+        </p:blipFill>
+        <p:spPr bwMode="auto">
+          <a:xfrm>
+            <a:off x="3886200" y="2590800"/>
+            <a:ext cx="4724400" cy="3124200"/>
+          </a:xfrm>
+          <a:prstGeom prst="rect">
+            <a:avLst/>
+          </a:prstGeom>
+          <a:noFill/>
+          <a:ln w="9525">
+            <a:noFill/>
+            <a:miter lim="800000"/>
+            <a:headEnd/>
+            <a:tailEnd/>
+          </a:ln>
+        </p:spPr>
+      </p:pic>
     </p:spTree>
     <p:extLst>
       <p:ext uri="{BB962C8B-B14F-4D97-AF65-F5344CB8AC3E}">
@@ -9488,7 +9605,15 @@
             </a:r>
             <a:r>
               <a:rPr lang="en-IN" sz="2400" dirty="0"/>
-              <a:t> /success_rate1.txt -m 1;</a:t>
+              <a:t> /</a:t>
+            </a:r>
+            <a:r>
+              <a:rPr lang="en-IN" sz="2400" dirty="0" smtClean="0"/>
+              <a:t>success_rate2.txt </a:t>
+            </a:r>
+            <a:r>
+              <a:rPr lang="en-IN" sz="2400" dirty="0"/>
+              <a:t>-m 1;</a:t>
             </a:r>
           </a:p>
           <a:p>
@@ -9811,330 +9936,6 @@
 </p:sld>
 </file>
 
-<file path=ppt/slides/slide27.xml><?xml version="1.0" encoding="utf-8"?>
-<p:sld xmlns:a="http://schemas.openxmlformats.org/drawingml/2006/main" xmlns:r="http://schemas.openxmlformats.org/officeDocument/2006/relationships" xmlns:p="http://schemas.openxmlformats.org/presentationml/2006/main">
-  <p:cSld>
-    <p:spTree>
-      <p:nvGrpSpPr>
-        <p:cNvPr id="1" name=""/>
-        <p:cNvGrpSpPr/>
-        <p:nvPr/>
-      </p:nvGrpSpPr>
-      <p:grpSpPr>
-        <a:xfrm>
-          <a:off x="0" y="0"/>
-          <a:ext cx="0" cy="0"/>
-          <a:chOff x="0" y="0"/>
-          <a:chExt cx="0" cy="0"/>
-        </a:xfrm>
-      </p:grpSpPr>
-      <p:sp>
-        <p:nvSpPr>
-          <p:cNvPr id="4" name="Content Placeholder 2"/>
-          <p:cNvSpPr>
-            <a:spLocks noGrp="1"/>
-          </p:cNvSpPr>
-          <p:nvPr>
-            <p:ph idx="1"/>
-          </p:nvPr>
-        </p:nvSpPr>
-        <p:spPr>
-          <a:xfrm>
-            <a:off x="457200" y="1600200"/>
-            <a:ext cx="8229600" cy="4525963"/>
-          </a:xfrm>
-        </p:spPr>
-        <p:txBody>
-          <a:bodyPr/>
-          <a:lstStyle/>
-          <a:p>
-            <a:endParaRPr lang="en-IN"/>
-          </a:p>
-        </p:txBody>
-      </p:sp>
-      <p:sp>
-        <p:nvSpPr>
-          <p:cNvPr id="5" name="Rectangle 4"/>
-          <p:cNvSpPr/>
-          <p:nvPr/>
-        </p:nvSpPr>
-        <p:spPr>
-          <a:xfrm>
-            <a:off x="0" y="0"/>
-            <a:ext cx="9144000" cy="762000"/>
-          </a:xfrm>
-          <a:prstGeom prst="rect">
-            <a:avLst/>
-          </a:prstGeom>
-          <a:solidFill>
-            <a:srgbClr val="00B0F0"/>
-          </a:solidFill>
-          <a:ln>
-            <a:solidFill>
-              <a:srgbClr val="00B0F0"/>
-            </a:solidFill>
-          </a:ln>
-        </p:spPr>
-        <p:style>
-          <a:lnRef idx="2">
-            <a:schemeClr val="accent1">
-              <a:shade val="50000"/>
-            </a:schemeClr>
-          </a:lnRef>
-          <a:fillRef idx="1">
-            <a:schemeClr val="accent1"/>
-          </a:fillRef>
-          <a:effectRef idx="0">
-            <a:schemeClr val="accent1"/>
-          </a:effectRef>
-          <a:fontRef idx="minor">
-            <a:schemeClr val="lt1"/>
-          </a:fontRef>
-        </p:style>
-        <p:txBody>
-          <a:bodyPr rtlCol="0" anchor="ctr"/>
-          <a:lstStyle/>
-          <a:p>
-            <a:pPr lvl="2"/>
-            <a:r>
-              <a:rPr lang="en-IN" sz="3200" dirty="0" smtClean="0">
-                <a:solidFill>
-                  <a:schemeClr val="tx1"/>
-                </a:solidFill>
-              </a:rPr>
-              <a:t>Analysing </a:t>
-            </a:r>
-            <a:r>
-              <a:rPr lang="en-IN" sz="3200" dirty="0">
-                <a:solidFill>
-                  <a:schemeClr val="tx1"/>
-                </a:solidFill>
-              </a:rPr>
-              <a:t>H1B </a:t>
-            </a:r>
-            <a:r>
-              <a:rPr lang="en-IN" sz="3200" dirty="0" smtClean="0">
-                <a:solidFill>
-                  <a:schemeClr val="tx1"/>
-                </a:solidFill>
-              </a:rPr>
-              <a:t>Visa</a:t>
-            </a:r>
-            <a:r>
-              <a:rPr lang="en-US" sz="3200" dirty="0">
-                <a:solidFill>
-                  <a:schemeClr val="tx1"/>
-                </a:solidFill>
-              </a:rPr>
-              <a:t> </a:t>
-            </a:r>
-            <a:r>
-              <a:rPr lang="en-IN" sz="3200" dirty="0" smtClean="0">
-                <a:solidFill>
-                  <a:schemeClr val="tx1"/>
-                </a:solidFill>
-              </a:rPr>
-              <a:t>Using </a:t>
-            </a:r>
-            <a:r>
-              <a:rPr lang="en-IN" sz="3200" dirty="0" err="1">
-                <a:solidFill>
-                  <a:schemeClr val="tx1"/>
-                </a:solidFill>
-              </a:rPr>
-              <a:t>Hadoop</a:t>
-            </a:r>
-            <a:r>
-              <a:rPr lang="en-IN" sz="3200" dirty="0">
-                <a:solidFill>
-                  <a:schemeClr val="tx1"/>
-                </a:solidFill>
-              </a:rPr>
-              <a:t> Ecosystem</a:t>
-            </a:r>
-            <a:endParaRPr lang="en-US" sz="3200" dirty="0">
-              <a:solidFill>
-                <a:schemeClr val="tx1"/>
-              </a:solidFill>
-            </a:endParaRPr>
-          </a:p>
-        </p:txBody>
-      </p:sp>
-    </p:spTree>
-    <p:extLst>
-      <p:ext uri="{BB962C8B-B14F-4D97-AF65-F5344CB8AC3E}">
-        <p14:creationId xmlns:p14="http://schemas.microsoft.com/office/powerpoint/2010/main" val="2394417360"/>
-      </p:ext>
-    </p:extLst>
-  </p:cSld>
-  <p:clrMapOvr>
-    <a:masterClrMapping/>
-  </p:clrMapOvr>
-</p:sld>
-</file>
-
-<file path=ppt/slides/slide28.xml><?xml version="1.0" encoding="utf-8"?>
-<p:sld xmlns:a="http://schemas.openxmlformats.org/drawingml/2006/main" xmlns:r="http://schemas.openxmlformats.org/officeDocument/2006/relationships" xmlns:p="http://schemas.openxmlformats.org/presentationml/2006/main">
-  <p:cSld>
-    <p:spTree>
-      <p:nvGrpSpPr>
-        <p:cNvPr id="1" name=""/>
-        <p:cNvGrpSpPr/>
-        <p:nvPr/>
-      </p:nvGrpSpPr>
-      <p:grpSpPr>
-        <a:xfrm>
-          <a:off x="0" y="0"/>
-          <a:ext cx="0" cy="0"/>
-          <a:chOff x="0" y="0"/>
-          <a:chExt cx="0" cy="0"/>
-        </a:xfrm>
-      </p:grpSpPr>
-      <p:sp>
-        <p:nvSpPr>
-          <p:cNvPr id="4" name="Content Placeholder 2"/>
-          <p:cNvSpPr>
-            <a:spLocks noGrp="1"/>
-          </p:cNvSpPr>
-          <p:nvPr>
-            <p:ph idx="1"/>
-          </p:nvPr>
-        </p:nvSpPr>
-        <p:spPr>
-          <a:xfrm>
-            <a:off x="457200" y="1600200"/>
-            <a:ext cx="8229600" cy="4525963"/>
-          </a:xfrm>
-        </p:spPr>
-        <p:txBody>
-          <a:bodyPr/>
-          <a:lstStyle/>
-          <a:p>
-            <a:endParaRPr lang="en-IN"/>
-          </a:p>
-        </p:txBody>
-      </p:sp>
-      <p:sp>
-        <p:nvSpPr>
-          <p:cNvPr id="5" name="Rectangle 4"/>
-          <p:cNvSpPr/>
-          <p:nvPr/>
-        </p:nvSpPr>
-        <p:spPr>
-          <a:xfrm>
-            <a:off x="0" y="0"/>
-            <a:ext cx="9144000" cy="762000"/>
-          </a:xfrm>
-          <a:prstGeom prst="rect">
-            <a:avLst/>
-          </a:prstGeom>
-          <a:solidFill>
-            <a:srgbClr val="00B0F0"/>
-          </a:solidFill>
-          <a:ln>
-            <a:solidFill>
-              <a:srgbClr val="00B0F0"/>
-            </a:solidFill>
-          </a:ln>
-        </p:spPr>
-        <p:style>
-          <a:lnRef idx="2">
-            <a:schemeClr val="accent1">
-              <a:shade val="50000"/>
-            </a:schemeClr>
-          </a:lnRef>
-          <a:fillRef idx="1">
-            <a:schemeClr val="accent1"/>
-          </a:fillRef>
-          <a:effectRef idx="0">
-            <a:schemeClr val="accent1"/>
-          </a:effectRef>
-          <a:fontRef idx="minor">
-            <a:schemeClr val="lt1"/>
-          </a:fontRef>
-        </p:style>
-        <p:txBody>
-          <a:bodyPr rtlCol="0" anchor="ctr"/>
-          <a:lstStyle/>
-          <a:p>
-            <a:pPr lvl="2"/>
-            <a:r>
-              <a:rPr lang="en-IN" sz="3200" dirty="0" smtClean="0">
-                <a:solidFill>
-                  <a:schemeClr val="tx1"/>
-                </a:solidFill>
-              </a:rPr>
-              <a:t>Analysing </a:t>
-            </a:r>
-            <a:r>
-              <a:rPr lang="en-IN" sz="3200" dirty="0">
-                <a:solidFill>
-                  <a:schemeClr val="tx1"/>
-                </a:solidFill>
-              </a:rPr>
-              <a:t>H1B </a:t>
-            </a:r>
-            <a:r>
-              <a:rPr lang="en-IN" sz="3200" dirty="0" smtClean="0">
-                <a:solidFill>
-                  <a:schemeClr val="tx1"/>
-                </a:solidFill>
-              </a:rPr>
-              <a:t>Visa</a:t>
-            </a:r>
-            <a:r>
-              <a:rPr lang="en-US" sz="3200" dirty="0">
-                <a:solidFill>
-                  <a:schemeClr val="tx1"/>
-                </a:solidFill>
-              </a:rPr>
-              <a:t> </a:t>
-            </a:r>
-            <a:r>
-              <a:rPr lang="en-IN" sz="3200" dirty="0" smtClean="0">
-                <a:solidFill>
-                  <a:schemeClr val="tx1"/>
-                </a:solidFill>
-              </a:rPr>
-              <a:t>Using </a:t>
-            </a:r>
-            <a:r>
-              <a:rPr lang="en-IN" sz="3200" dirty="0" err="1">
-                <a:solidFill>
-                  <a:schemeClr val="tx1"/>
-                </a:solidFill>
-              </a:rPr>
-              <a:t>Hadoop</a:t>
-            </a:r>
-            <a:r>
-              <a:rPr lang="en-IN" sz="3200" dirty="0">
-                <a:solidFill>
-                  <a:schemeClr val="tx1"/>
-                </a:solidFill>
-              </a:rPr>
-              <a:t> Ecosystem</a:t>
-            </a:r>
-            <a:endParaRPr lang="en-US" sz="3200" dirty="0">
-              <a:solidFill>
-                <a:schemeClr val="tx1"/>
-              </a:solidFill>
-            </a:endParaRPr>
-          </a:p>
-        </p:txBody>
-      </p:sp>
-    </p:spTree>
-    <p:extLst>
-      <p:ext uri="{BB962C8B-B14F-4D97-AF65-F5344CB8AC3E}">
-        <p14:creationId xmlns:p14="http://schemas.microsoft.com/office/powerpoint/2010/main" val="3191986922"/>
-      </p:ext>
-    </p:extLst>
-  </p:cSld>
-  <p:clrMapOvr>
-    <a:masterClrMapping/>
-  </p:clrMapOvr>
-</p:sld>
-</file>
-
 <file path=ppt/slides/slide3.xml><?xml version="1.0" encoding="utf-8"?>
 <p:sld xmlns:a="http://schemas.openxmlformats.org/drawingml/2006/main" xmlns:r="http://schemas.openxmlformats.org/officeDocument/2006/relationships" xmlns:p="http://schemas.openxmlformats.org/presentationml/2006/main">
   <p:cSld>
@@ -10533,9 +10334,12 @@
             </a:pPr>
             <a:r>
               <a:rPr lang="en-IN" dirty="0"/>
-              <a:t>9) Which are top ten employers who have the highest success rate in petitions?</a:t>
-            </a:r>
-            <a:endParaRPr lang="en-US" dirty="0"/>
+              <a:t>9) Which are top ten employers who have the highest success rate </a:t>
+            </a:r>
+            <a:r>
+              <a:rPr lang="en-IN" dirty="0"/>
+              <a:t>more than 70% in petitions filed more than 1000?</a:t>
+            </a:r>
           </a:p>
           <a:p>
             <a:pPr marL="0" indent="0">
@@ -10553,9 +10357,28 @@
             </a:pPr>
             <a:r>
               <a:rPr lang="en-IN" dirty="0"/>
-              <a:t>10) Which are the top 10 job positions which have the highest success rate in petitions?</a:t>
-            </a:r>
-            <a:endParaRPr lang="en-US" dirty="0"/>
+              <a:t>10</a:t>
+            </a:r>
+            <a:r>
+              <a:rPr lang="en-IN" dirty="0" smtClean="0"/>
+              <a:t>)</a:t>
+            </a:r>
+            <a:r>
+              <a:rPr lang="en-IN" dirty="0" smtClean="0"/>
+              <a:t> </a:t>
+            </a:r>
+            <a:r>
+              <a:rPr lang="en-IN" dirty="0"/>
+              <a:t>Which are the top 10 job positions which have the highest success rate </a:t>
+            </a:r>
+            <a:r>
+              <a:rPr lang="en-IN" dirty="0" smtClean="0"/>
+              <a:t>more than </a:t>
+            </a:r>
+            <a:r>
+              <a:rPr lang="en-IN" dirty="0"/>
+              <a:t>70% in petitions filed more than 1000?</a:t>
+            </a:r>
           </a:p>
           <a:p>
             <a:pPr marL="0" indent="0">
@@ -10705,11 +10528,7 @@
             </a:r>
             <a:r>
               <a:rPr lang="en-IN" dirty="0" smtClean="0"/>
-              <a:t> </a:t>
-            </a:r>
-            <a:r>
-              <a:rPr lang="en-IN" dirty="0" smtClean="0"/>
-              <a:t>: a  </a:t>
+              <a:t> : a  </a:t>
             </a:r>
             <a:r>
               <a:rPr lang="en-IN" dirty="0"/>
@@ -10932,7 +10751,15 @@
           <a:p>
             <a:r>
               <a:rPr lang="en-US" dirty="0" smtClean="0"/>
-              <a:t>Which  contains both structured(Relational), semi structured(XML,JSON) and structured data(Word, PDF, Text and media logs ).</a:t>
+              <a:t>Which  contains both structured(Relational), semi structured(XML,JSON) and </a:t>
+            </a:r>
+            <a:r>
+              <a:rPr lang="en-US" dirty="0" smtClean="0"/>
+              <a:t>unstructured </a:t>
+            </a:r>
+            <a:r>
+              <a:rPr lang="en-US" dirty="0" smtClean="0"/>
+              <a:t>data(Word, PDF, Text and media logs ).</a:t>
             </a:r>
             <a:endParaRPr lang="en-IN" dirty="0" smtClean="0"/>
           </a:p>
